--- a/Exam/Pdf and PowerPoint/PW.pptx
+++ b/Exam/Pdf and PowerPoint/PW.pptx
@@ -5,14 +5,15 @@
     <p:sldMasterId id="2147483648" r:id="rId1"/>
   </p:sldMasterIdLst>
   <p:sldIdLst>
-    <p:sldId id="256" r:id="rId2"/>
-    <p:sldId id="257" r:id="rId3"/>
-    <p:sldId id="258" r:id="rId4"/>
-    <p:sldId id="262" r:id="rId5"/>
-    <p:sldId id="263" r:id="rId6"/>
-    <p:sldId id="259" r:id="rId7"/>
-    <p:sldId id="261" r:id="rId8"/>
-    <p:sldId id="260" r:id="rId9"/>
+    <p:sldId id="264" r:id="rId2"/>
+    <p:sldId id="256" r:id="rId3"/>
+    <p:sldId id="257" r:id="rId4"/>
+    <p:sldId id="258" r:id="rId5"/>
+    <p:sldId id="262" r:id="rId6"/>
+    <p:sldId id="263" r:id="rId7"/>
+    <p:sldId id="259" r:id="rId8"/>
+    <p:sldId id="261" r:id="rId9"/>
+    <p:sldId id="260" r:id="rId10"/>
   </p:sldIdLst>
   <p:sldSz cx="12192000" cy="6858000"/>
   <p:notesSz cx="6858000" cy="9144000"/>
@@ -111,15 +112,12 @@
       </a:defRPr>
     </a:lvl9pPr>
   </p:defaultTextStyle>
+  <p:extLst>
+    <p:ext uri="{EFAFB233-063F-42B5-8137-9DF3F51BA10A}">
+      <p15:sldGuideLst xmlns:p15="http://schemas.microsoft.com/office/powerpoint/2012/main"/>
+    </p:ext>
+  </p:extLst>
 </p:presentation>
-</file>
-
-<file path=ppt/revisionInfo.xml><?xml version="1.0" encoding="utf-8"?>
-<p1510:revInfo xmlns:a="http://schemas.openxmlformats.org/drawingml/2006/main" xmlns:r="http://schemas.openxmlformats.org/officeDocument/2006/relationships" xmlns:p1510="http://schemas.microsoft.com/office/powerpoint/2015/10/main">
-  <p1510:revLst>
-    <p1510:client id="{B3576EDB-87F1-4D2C-B585-86E9D990B11C}" v="103" dt="2021-10-01T15:06:45.832"/>
-  </p1510:revLst>
-</p1510:revInfo>
 </file>
 
 <file path=ppt/changesInfos/changesInfo1.xml><?xml version="1.0" encoding="utf-8"?>
@@ -928,6 +926,134 @@
             <pc:docMk/>
             <pc:sldMk cId="675393319" sldId="263"/>
             <ac:picMk id="7" creationId="{7C06DD98-6676-44FD-8E22-BBB132D5078F}"/>
+          </ac:picMkLst>
+        </pc:picChg>
+      </pc:sldChg>
+    </pc:docChg>
+  </pc:docChgLst>
+  <pc:docChgLst>
+    <pc:chgData name="Ngọc Duệ" userId="0afd07b8187c7343" providerId="LiveId" clId="{9A2A2D4C-A2AB-4B36-818E-D703C9E8B9CD}"/>
+    <pc:docChg chg="undo custSel addSld modSld sldOrd">
+      <pc:chgData name="Ngọc Duệ" userId="0afd07b8187c7343" providerId="LiveId" clId="{9A2A2D4C-A2AB-4B36-818E-D703C9E8B9CD}" dt="2021-10-03T01:41:00.793" v="9" actId="27614"/>
+      <pc:docMkLst>
+        <pc:docMk/>
+      </pc:docMkLst>
+      <pc:sldChg chg="addSp delSp modSp new mod ord setBg">
+        <pc:chgData name="Ngọc Duệ" userId="0afd07b8187c7343" providerId="LiveId" clId="{9A2A2D4C-A2AB-4B36-818E-D703C9E8B9CD}" dt="2021-10-03T01:41:00.793" v="9" actId="27614"/>
+        <pc:sldMkLst>
+          <pc:docMk/>
+          <pc:sldMk cId="507318140" sldId="264"/>
+        </pc:sldMkLst>
+        <pc:spChg chg="del">
+          <ac:chgData name="Ngọc Duệ" userId="0afd07b8187c7343" providerId="LiveId" clId="{9A2A2D4C-A2AB-4B36-818E-D703C9E8B9CD}" dt="2021-10-03T01:40:28.561" v="3" actId="478"/>
+          <ac:spMkLst>
+            <pc:docMk/>
+            <pc:sldMk cId="507318140" sldId="264"/>
+            <ac:spMk id="2" creationId="{E8C22947-50B4-4AC1-88ED-32A9DBE321DB}"/>
+          </ac:spMkLst>
+        </pc:spChg>
+        <pc:spChg chg="del">
+          <ac:chgData name="Ngọc Duệ" userId="0afd07b8187c7343" providerId="LiveId" clId="{9A2A2D4C-A2AB-4B36-818E-D703C9E8B9CD}" dt="2021-10-03T01:40:29.990" v="4" actId="478"/>
+          <ac:spMkLst>
+            <pc:docMk/>
+            <pc:sldMk cId="507318140" sldId="264"/>
+            <ac:spMk id="3" creationId="{9846D8B0-3912-46E4-A6C3-255FAA51D7AD}"/>
+          </ac:spMkLst>
+        </pc:spChg>
+        <pc:spChg chg="add del">
+          <ac:chgData name="Ngọc Duệ" userId="0afd07b8187c7343" providerId="LiveId" clId="{9A2A2D4C-A2AB-4B36-818E-D703C9E8B9CD}" dt="2021-10-03T01:40:58.244" v="7" actId="26606"/>
+          <ac:spMkLst>
+            <pc:docMk/>
+            <pc:sldMk cId="507318140" sldId="264"/>
+            <ac:spMk id="10" creationId="{86FF76B9-219D-4469-AF87-0236D29032F1}"/>
+          </ac:spMkLst>
+        </pc:spChg>
+        <pc:spChg chg="add del">
+          <ac:chgData name="Ngọc Duệ" userId="0afd07b8187c7343" providerId="LiveId" clId="{9A2A2D4C-A2AB-4B36-818E-D703C9E8B9CD}" dt="2021-10-03T01:40:58.244" v="7" actId="26606"/>
+          <ac:spMkLst>
+            <pc:docMk/>
+            <pc:sldMk cId="507318140" sldId="264"/>
+            <ac:spMk id="16" creationId="{2E80C965-DB6D-4F81-9E9E-B027384D0BD6}"/>
+          </ac:spMkLst>
+        </pc:spChg>
+        <pc:spChg chg="add del">
+          <ac:chgData name="Ngọc Duệ" userId="0afd07b8187c7343" providerId="LiveId" clId="{9A2A2D4C-A2AB-4B36-818E-D703C9E8B9CD}" dt="2021-10-03T01:40:58.244" v="7" actId="26606"/>
+          <ac:spMkLst>
+            <pc:docMk/>
+            <pc:sldMk cId="507318140" sldId="264"/>
+            <ac:spMk id="18" creationId="{633C5E46-DAC5-4661-9C87-22B08E2A512F}"/>
+          </ac:spMkLst>
+        </pc:spChg>
+        <pc:spChg chg="add">
+          <ac:chgData name="Ngọc Duệ" userId="0afd07b8187c7343" providerId="LiveId" clId="{9A2A2D4C-A2AB-4B36-818E-D703C9E8B9CD}" dt="2021-10-03T01:40:58.252" v="8" actId="26606"/>
+          <ac:spMkLst>
+            <pc:docMk/>
+            <pc:sldMk cId="507318140" sldId="264"/>
+            <ac:spMk id="20" creationId="{9E914C83-E0D8-4953-92D5-169D28CB43AE}"/>
+          </ac:spMkLst>
+        </pc:spChg>
+        <pc:spChg chg="add">
+          <ac:chgData name="Ngọc Duệ" userId="0afd07b8187c7343" providerId="LiveId" clId="{9A2A2D4C-A2AB-4B36-818E-D703C9E8B9CD}" dt="2021-10-03T01:40:58.252" v="8" actId="26606"/>
+          <ac:spMkLst>
+            <pc:docMk/>
+            <pc:sldMk cId="507318140" sldId="264"/>
+            <ac:spMk id="21" creationId="{46D6306C-ED4F-4AAE-B4A5-EEA6AFAD726E}"/>
+          </ac:spMkLst>
+        </pc:spChg>
+        <pc:spChg chg="add">
+          <ac:chgData name="Ngọc Duệ" userId="0afd07b8187c7343" providerId="LiveId" clId="{9A2A2D4C-A2AB-4B36-818E-D703C9E8B9CD}" dt="2021-10-03T01:40:58.252" v="8" actId="26606"/>
+          <ac:spMkLst>
+            <pc:docMk/>
+            <pc:sldMk cId="507318140" sldId="264"/>
+            <ac:spMk id="22" creationId="{3512E083-F550-46AF-8490-767ECFD00CB7}"/>
+          </ac:spMkLst>
+        </pc:spChg>
+        <pc:spChg chg="add">
+          <ac:chgData name="Ngọc Duệ" userId="0afd07b8187c7343" providerId="LiveId" clId="{9A2A2D4C-A2AB-4B36-818E-D703C9E8B9CD}" dt="2021-10-03T01:40:58.252" v="8" actId="26606"/>
+          <ac:spMkLst>
+            <pc:docMk/>
+            <pc:sldMk cId="507318140" sldId="264"/>
+            <ac:spMk id="23" creationId="{0EC5361D-F897-4856-B945-0455A365EB24}"/>
+          </ac:spMkLst>
+        </pc:spChg>
+        <pc:spChg chg="add">
+          <ac:chgData name="Ngọc Duệ" userId="0afd07b8187c7343" providerId="LiveId" clId="{9A2A2D4C-A2AB-4B36-818E-D703C9E8B9CD}" dt="2021-10-03T01:40:58.252" v="8" actId="26606"/>
+          <ac:spMkLst>
+            <pc:docMk/>
+            <pc:sldMk cId="507318140" sldId="264"/>
+            <ac:spMk id="24" creationId="{4508C0C5-2268-42B5-B3C8-4D0899E05F8C}"/>
+          </ac:spMkLst>
+        </pc:spChg>
+        <pc:spChg chg="add">
+          <ac:chgData name="Ngọc Duệ" userId="0afd07b8187c7343" providerId="LiveId" clId="{9A2A2D4C-A2AB-4B36-818E-D703C9E8B9CD}" dt="2021-10-03T01:40:58.252" v="8" actId="26606"/>
+          <ac:spMkLst>
+            <pc:docMk/>
+            <pc:sldMk cId="507318140" sldId="264"/>
+            <ac:spMk id="25" creationId="{141ACBDB-38F8-4B34-8183-BD95B4E55A62}"/>
+          </ac:spMkLst>
+        </pc:spChg>
+        <pc:spChg chg="add">
+          <ac:chgData name="Ngọc Duệ" userId="0afd07b8187c7343" providerId="LiveId" clId="{9A2A2D4C-A2AB-4B36-818E-D703C9E8B9CD}" dt="2021-10-03T01:40:58.252" v="8" actId="26606"/>
+          <ac:spMkLst>
+            <pc:docMk/>
+            <pc:sldMk cId="507318140" sldId="264"/>
+            <ac:spMk id="26" creationId="{DE00DB52-3455-4E2F-867B-A6D0516E175B}"/>
+          </ac:spMkLst>
+        </pc:spChg>
+        <pc:grpChg chg="add del">
+          <ac:chgData name="Ngọc Duệ" userId="0afd07b8187c7343" providerId="LiveId" clId="{9A2A2D4C-A2AB-4B36-818E-D703C9E8B9CD}" dt="2021-10-03T01:40:58.244" v="7" actId="26606"/>
+          <ac:grpSpMkLst>
+            <pc:docMk/>
+            <pc:sldMk cId="507318140" sldId="264"/>
+            <ac:grpSpMk id="12" creationId="{DB88BD78-87E1-424D-B479-C37D8E41B12E}"/>
+          </ac:grpSpMkLst>
+        </pc:grpChg>
+        <pc:picChg chg="add mod">
+          <ac:chgData name="Ngọc Duệ" userId="0afd07b8187c7343" providerId="LiveId" clId="{9A2A2D4C-A2AB-4B36-818E-D703C9E8B9CD}" dt="2021-10-03T01:41:00.793" v="9" actId="27614"/>
+          <ac:picMkLst>
+            <pc:docMk/>
+            <pc:sldMk cId="507318140" sldId="264"/>
+            <ac:picMk id="5" creationId="{07627382-29C5-4C20-B181-7AFE224F6B0A}"/>
           </ac:picMkLst>
         </pc:picChg>
       </pc:sldChg>
@@ -1757,7 +1883,7 @@
           <a:p>
             <a:fld id="{D673A12F-F682-47DC-9B5F-8A2294688025}" type="datetimeFigureOut">
               <a:rPr lang="en-US" smtClean="0"/>
-              <a:t>10/1/2021</a:t>
+              <a:t>10/3/2021</a:t>
             </a:fld>
             <a:endParaRPr lang="en-US"/>
           </a:p>
@@ -1957,7 +2083,7 @@
           <a:p>
             <a:fld id="{D673A12F-F682-47DC-9B5F-8A2294688025}" type="datetimeFigureOut">
               <a:rPr lang="en-US" smtClean="0"/>
-              <a:t>10/1/2021</a:t>
+              <a:t>10/3/2021</a:t>
             </a:fld>
             <a:endParaRPr lang="en-US"/>
           </a:p>
@@ -2167,7 +2293,7 @@
           <a:p>
             <a:fld id="{D673A12F-F682-47DC-9B5F-8A2294688025}" type="datetimeFigureOut">
               <a:rPr lang="en-US" smtClean="0"/>
-              <a:t>10/1/2021</a:t>
+              <a:t>10/3/2021</a:t>
             </a:fld>
             <a:endParaRPr lang="en-US"/>
           </a:p>
@@ -2367,7 +2493,7 @@
           <a:p>
             <a:fld id="{D673A12F-F682-47DC-9B5F-8A2294688025}" type="datetimeFigureOut">
               <a:rPr lang="en-US" smtClean="0"/>
-              <a:t>10/1/2021</a:t>
+              <a:t>10/3/2021</a:t>
             </a:fld>
             <a:endParaRPr lang="en-US"/>
           </a:p>
@@ -2643,7 +2769,7 @@
           <a:p>
             <a:fld id="{D673A12F-F682-47DC-9B5F-8A2294688025}" type="datetimeFigureOut">
               <a:rPr lang="en-US" smtClean="0"/>
-              <a:t>10/1/2021</a:t>
+              <a:t>10/3/2021</a:t>
             </a:fld>
             <a:endParaRPr lang="en-US"/>
           </a:p>
@@ -2911,7 +3037,7 @@
           <a:p>
             <a:fld id="{D673A12F-F682-47DC-9B5F-8A2294688025}" type="datetimeFigureOut">
               <a:rPr lang="en-US" smtClean="0"/>
-              <a:t>10/1/2021</a:t>
+              <a:t>10/3/2021</a:t>
             </a:fld>
             <a:endParaRPr lang="en-US"/>
           </a:p>
@@ -3326,7 +3452,7 @@
           <a:p>
             <a:fld id="{D673A12F-F682-47DC-9B5F-8A2294688025}" type="datetimeFigureOut">
               <a:rPr lang="en-US" smtClean="0"/>
-              <a:t>10/1/2021</a:t>
+              <a:t>10/3/2021</a:t>
             </a:fld>
             <a:endParaRPr lang="en-US"/>
           </a:p>
@@ -3468,7 +3594,7 @@
           <a:p>
             <a:fld id="{D673A12F-F682-47DC-9B5F-8A2294688025}" type="datetimeFigureOut">
               <a:rPr lang="en-US" smtClean="0"/>
-              <a:t>10/1/2021</a:t>
+              <a:t>10/3/2021</a:t>
             </a:fld>
             <a:endParaRPr lang="en-US"/>
           </a:p>
@@ -3581,7 +3707,7 @@
           <a:p>
             <a:fld id="{D673A12F-F682-47DC-9B5F-8A2294688025}" type="datetimeFigureOut">
               <a:rPr lang="en-US" smtClean="0"/>
-              <a:t>10/1/2021</a:t>
+              <a:t>10/3/2021</a:t>
             </a:fld>
             <a:endParaRPr lang="en-US"/>
           </a:p>
@@ -3894,7 +4020,7 @@
           <a:p>
             <a:fld id="{D673A12F-F682-47DC-9B5F-8A2294688025}" type="datetimeFigureOut">
               <a:rPr lang="en-US" smtClean="0"/>
-              <a:t>10/1/2021</a:t>
+              <a:t>10/3/2021</a:t>
             </a:fld>
             <a:endParaRPr lang="en-US"/>
           </a:p>
@@ -4183,7 +4309,7 @@
           <a:p>
             <a:fld id="{D673A12F-F682-47DC-9B5F-8A2294688025}" type="datetimeFigureOut">
               <a:rPr lang="en-US" smtClean="0"/>
-              <a:t>10/1/2021</a:t>
+              <a:t>10/3/2021</a:t>
             </a:fld>
             <a:endParaRPr lang="en-US"/>
           </a:p>
@@ -4426,7 +4552,7 @@
           <a:p>
             <a:fld id="{D673A12F-F682-47DC-9B5F-8A2294688025}" type="datetimeFigureOut">
               <a:rPr lang="en-US" smtClean="0"/>
-              <a:t>10/1/2021</a:t>
+              <a:t>10/3/2021</a:t>
             </a:fld>
             <a:endParaRPr lang="en-US"/>
           </a:p>
@@ -4829,6 +4955,625 @@
 <file path=ppt/slides/slide1.xml><?xml version="1.0" encoding="utf-8"?>
 <p:sld xmlns:a="http://schemas.openxmlformats.org/drawingml/2006/main" xmlns:r="http://schemas.openxmlformats.org/officeDocument/2006/relationships" xmlns:p="http://schemas.openxmlformats.org/presentationml/2006/main">
   <p:cSld>
+    <p:bg>
+      <p:bgPr>
+        <a:solidFill>
+          <a:schemeClr val="bg1"/>
+        </a:solidFill>
+        <a:effectLst/>
+      </p:bgPr>
+    </p:bg>
+    <p:spTree>
+      <p:nvGrpSpPr>
+        <p:cNvPr id="1" name=""/>
+        <p:cNvGrpSpPr/>
+        <p:nvPr/>
+      </p:nvGrpSpPr>
+      <p:grpSpPr>
+        <a:xfrm>
+          <a:off x="0" y="0"/>
+          <a:ext cx="0" cy="0"/>
+          <a:chOff x="0" y="0"/>
+          <a:chExt cx="0" cy="0"/>
+        </a:xfrm>
+      </p:grpSpPr>
+      <p:sp>
+        <p:nvSpPr>
+          <p:cNvPr id="21" name="Rectangle 9">
+            <a:extLst>
+              <a:ext uri="{FF2B5EF4-FFF2-40B4-BE49-F238E27FC236}">
+                <a16:creationId xmlns:a16="http://schemas.microsoft.com/office/drawing/2014/main" id="{46D6306C-ED4F-4AAE-B4A5-EEA6AFAD726E}"/>
+              </a:ext>
+              <a:ext uri="{C183D7F6-B498-43B3-948B-1728B52AA6E4}">
+                <adec:decorative xmlns:adec="http://schemas.microsoft.com/office/drawing/2017/decorative" val="1"/>
+              </a:ext>
+            </a:extLst>
+          </p:cNvPr>
+          <p:cNvSpPr>
+            <a:spLocks noGrp="1" noRot="1" noChangeAspect="1" noMove="1" noResize="1" noEditPoints="1" noAdjustHandles="1" noChangeArrowheads="1" noChangeShapeType="1" noTextEdit="1"/>
+          </p:cNvSpPr>
+          <p:nvPr>
+            <p:extLst>
+              <p:ext uri="{386F3935-93C4-4BCD-93E2-E3B085C9AB24}">
+                <p16:designElem xmlns:p16="http://schemas.microsoft.com/office/powerpoint/2015/main" val="1"/>
+              </p:ext>
+            </p:extLst>
+          </p:nvPr>
+        </p:nvSpPr>
+        <p:spPr>
+          <a:xfrm>
+            <a:off x="0" y="0"/>
+            <a:ext cx="12192000" cy="6858000"/>
+          </a:xfrm>
+          <a:prstGeom prst="rect">
+            <a:avLst/>
+          </a:prstGeom>
+          <a:solidFill>
+            <a:schemeClr val="bg1"/>
+          </a:solidFill>
+          <a:ln>
+            <a:noFill/>
+          </a:ln>
+        </p:spPr>
+        <p:style>
+          <a:lnRef idx="2">
+            <a:schemeClr val="accent1">
+              <a:shade val="50000"/>
+            </a:schemeClr>
+          </a:lnRef>
+          <a:fillRef idx="1">
+            <a:schemeClr val="accent1"/>
+          </a:fillRef>
+          <a:effectRef idx="0">
+            <a:schemeClr val="accent1"/>
+          </a:effectRef>
+          <a:fontRef idx="minor">
+            <a:schemeClr val="lt1"/>
+          </a:fontRef>
+        </p:style>
+        <p:txBody>
+          <a:bodyPr rtlCol="0" anchor="ctr"/>
+          <a:lstStyle/>
+          <a:p>
+            <a:pPr algn="ctr"/>
+            <a:endParaRPr lang="en-US" dirty="0"/>
+          </a:p>
+        </p:txBody>
+      </p:sp>
+      <p:sp>
+        <p:nvSpPr>
+          <p:cNvPr id="23" name="Rectangle 11">
+            <a:extLst>
+              <a:ext uri="{FF2B5EF4-FFF2-40B4-BE49-F238E27FC236}">
+                <a16:creationId xmlns:a16="http://schemas.microsoft.com/office/drawing/2014/main" id="{0EC5361D-F897-4856-B945-0455A365EB24}"/>
+              </a:ext>
+              <a:ext uri="{C183D7F6-B498-43B3-948B-1728B52AA6E4}">
+                <adec:decorative xmlns:adec="http://schemas.microsoft.com/office/drawing/2017/decorative" val="1"/>
+              </a:ext>
+            </a:extLst>
+          </p:cNvPr>
+          <p:cNvSpPr>
+            <a:spLocks noGrp="1" noRot="1" noChangeAspect="1" noMove="1" noResize="1" noEditPoints="1" noAdjustHandles="1" noChangeArrowheads="1" noChangeShapeType="1" noTextEdit="1"/>
+          </p:cNvSpPr>
+          <p:nvPr>
+            <p:extLst>
+              <p:ext uri="{386F3935-93C4-4BCD-93E2-E3B085C9AB24}">
+                <p16:designElem xmlns:p16="http://schemas.microsoft.com/office/powerpoint/2015/main" val="1"/>
+              </p:ext>
+            </p:extLst>
+          </p:nvPr>
+        </p:nvSpPr>
+        <p:spPr>
+          <a:xfrm rot="2700000">
+            <a:off x="415435" y="655140"/>
+            <a:ext cx="687472" cy="687472"/>
+          </a:xfrm>
+          <a:prstGeom prst="rect">
+            <a:avLst/>
+          </a:prstGeom>
+          <a:solidFill>
+            <a:schemeClr val="accent4">
+              <a:alpha val="30000"/>
+            </a:schemeClr>
+          </a:solidFill>
+          <a:ln>
+            <a:noFill/>
+          </a:ln>
+        </p:spPr>
+        <p:style>
+          <a:lnRef idx="2">
+            <a:schemeClr val="accent1">
+              <a:shade val="50000"/>
+            </a:schemeClr>
+          </a:lnRef>
+          <a:fillRef idx="1">
+            <a:schemeClr val="accent1"/>
+          </a:fillRef>
+          <a:effectRef idx="0">
+            <a:schemeClr val="accent1"/>
+          </a:effectRef>
+          <a:fontRef idx="minor">
+            <a:schemeClr val="lt1"/>
+          </a:fontRef>
+        </p:style>
+        <p:txBody>
+          <a:bodyPr rtlCol="0" anchor="ctr"/>
+          <a:lstStyle/>
+          <a:p>
+            <a:pPr algn="ctr"/>
+            <a:endParaRPr lang="en-US"/>
+          </a:p>
+        </p:txBody>
+      </p:sp>
+      <p:sp>
+        <p:nvSpPr>
+          <p:cNvPr id="24" name="Freeform: Shape 13">
+            <a:extLst>
+              <a:ext uri="{FF2B5EF4-FFF2-40B4-BE49-F238E27FC236}">
+                <a16:creationId xmlns:a16="http://schemas.microsoft.com/office/drawing/2014/main" id="{4508C0C5-2268-42B5-B3C8-4D0899E05F8C}"/>
+              </a:ext>
+              <a:ext uri="{C183D7F6-B498-43B3-948B-1728B52AA6E4}">
+                <adec:decorative xmlns:adec="http://schemas.microsoft.com/office/drawing/2017/decorative" val="1"/>
+              </a:ext>
+            </a:extLst>
+          </p:cNvPr>
+          <p:cNvSpPr>
+            <a:spLocks noGrp="1" noRot="1" noChangeAspect="1" noMove="1" noResize="1" noEditPoints="1" noAdjustHandles="1" noChangeArrowheads="1" noChangeShapeType="1" noTextEdit="1"/>
+          </p:cNvSpPr>
+          <p:nvPr>
+            <p:extLst>
+              <p:ext uri="{386F3935-93C4-4BCD-93E2-E3B085C9AB24}">
+                <p16:designElem xmlns:p16="http://schemas.microsoft.com/office/powerpoint/2015/main" val="1"/>
+              </p:ext>
+            </p:extLst>
+          </p:nvPr>
+        </p:nvSpPr>
+        <p:spPr>
+          <a:xfrm rot="10800000">
+            <a:off x="0" y="0"/>
+            <a:ext cx="2835357" cy="1480837"/>
+          </a:xfrm>
+          <a:custGeom>
+            <a:avLst/>
+            <a:gdLst>
+              <a:gd name="connsiteX0" fmla="*/ 2835357 w 2835357"/>
+              <a:gd name="connsiteY0" fmla="*/ 1480837 h 1480837"/>
+              <a:gd name="connsiteX1" fmla="*/ 0 w 2835357"/>
+              <a:gd name="connsiteY1" fmla="*/ 1480837 h 1480837"/>
+              <a:gd name="connsiteX2" fmla="*/ 1552727 w 2835357"/>
+              <a:gd name="connsiteY2" fmla="*/ 0 h 1480837"/>
+              <a:gd name="connsiteX3" fmla="*/ 2835357 w 2835357"/>
+              <a:gd name="connsiteY3" fmla="*/ 1223245 h 1480837"/>
+            </a:gdLst>
+            <a:ahLst/>
+            <a:cxnLst>
+              <a:cxn ang="0">
+                <a:pos x="connsiteX0" y="connsiteY0"/>
+              </a:cxn>
+              <a:cxn ang="0">
+                <a:pos x="connsiteX1" y="connsiteY1"/>
+              </a:cxn>
+              <a:cxn ang="0">
+                <a:pos x="connsiteX2" y="connsiteY2"/>
+              </a:cxn>
+              <a:cxn ang="0">
+                <a:pos x="connsiteX3" y="connsiteY3"/>
+              </a:cxn>
+            </a:cxnLst>
+            <a:rect l="l" t="t" r="r" b="b"/>
+            <a:pathLst>
+              <a:path w="2835357" h="1480837">
+                <a:moveTo>
+                  <a:pt x="2835357" y="1480837"/>
+                </a:moveTo>
+                <a:lnTo>
+                  <a:pt x="0" y="1480837"/>
+                </a:lnTo>
+                <a:lnTo>
+                  <a:pt x="1552727" y="0"/>
+                </a:lnTo>
+                <a:lnTo>
+                  <a:pt x="2835357" y="1223245"/>
+                </a:lnTo>
+                <a:close/>
+              </a:path>
+            </a:pathLst>
+          </a:custGeom>
+          <a:solidFill>
+            <a:schemeClr val="accent4">
+              <a:alpha val="30000"/>
+            </a:schemeClr>
+          </a:solidFill>
+          <a:ln>
+            <a:noFill/>
+          </a:ln>
+        </p:spPr>
+        <p:style>
+          <a:lnRef idx="2">
+            <a:schemeClr val="accent1">
+              <a:shade val="50000"/>
+            </a:schemeClr>
+          </a:lnRef>
+          <a:fillRef idx="1">
+            <a:schemeClr val="accent1"/>
+          </a:fillRef>
+          <a:effectRef idx="0">
+            <a:schemeClr val="accent1"/>
+          </a:effectRef>
+          <a:fontRef idx="minor">
+            <a:schemeClr val="lt1"/>
+          </a:fontRef>
+        </p:style>
+        <p:txBody>
+          <a:bodyPr wrap="square" rtlCol="0" anchor="ctr">
+            <a:noAutofit/>
+          </a:bodyPr>
+          <a:lstStyle/>
+          <a:p>
+            <a:pPr algn="ctr"/>
+            <a:endParaRPr lang="en-US" dirty="0"/>
+          </a:p>
+        </p:txBody>
+      </p:sp>
+      <p:sp>
+        <p:nvSpPr>
+          <p:cNvPr id="25" name="Freeform: Shape 15">
+            <a:extLst>
+              <a:ext uri="{FF2B5EF4-FFF2-40B4-BE49-F238E27FC236}">
+                <a16:creationId xmlns:a16="http://schemas.microsoft.com/office/drawing/2014/main" id="{141ACBDB-38F8-4B34-8183-BD95B4E55A62}"/>
+              </a:ext>
+              <a:ext uri="{C183D7F6-B498-43B3-948B-1728B52AA6E4}">
+                <adec:decorative xmlns:adec="http://schemas.microsoft.com/office/drawing/2017/decorative" val="1"/>
+              </a:ext>
+            </a:extLst>
+          </p:cNvPr>
+          <p:cNvSpPr>
+            <a:spLocks noGrp="1" noRot="1" noChangeAspect="1" noMove="1" noResize="1" noEditPoints="1" noAdjustHandles="1" noChangeArrowheads="1" noChangeShapeType="1" noTextEdit="1"/>
+          </p:cNvSpPr>
+          <p:nvPr>
+            <p:extLst>
+              <p:ext uri="{386F3935-93C4-4BCD-93E2-E3B085C9AB24}">
+                <p16:designElem xmlns:p16="http://schemas.microsoft.com/office/powerpoint/2015/main" val="1"/>
+              </p:ext>
+            </p:extLst>
+          </p:nvPr>
+        </p:nvSpPr>
+        <p:spPr>
+          <a:xfrm rot="2700000">
+            <a:off x="10739327" y="-253670"/>
+            <a:ext cx="1827638" cy="1376989"/>
+          </a:xfrm>
+          <a:custGeom>
+            <a:avLst/>
+            <a:gdLst>
+              <a:gd name="connsiteX0" fmla="*/ 0 w 1827638"/>
+              <a:gd name="connsiteY0" fmla="*/ 987379 h 1376989"/>
+              <a:gd name="connsiteX1" fmla="*/ 987379 w 1827638"/>
+              <a:gd name="connsiteY1" fmla="*/ 0 h 1376989"/>
+              <a:gd name="connsiteX2" fmla="*/ 1827638 w 1827638"/>
+              <a:gd name="connsiteY2" fmla="*/ 840260 h 1376989"/>
+              <a:gd name="connsiteX3" fmla="*/ 1827638 w 1827638"/>
+              <a:gd name="connsiteY3" fmla="*/ 1376989 h 1376989"/>
+              <a:gd name="connsiteX4" fmla="*/ 0 w 1827638"/>
+              <a:gd name="connsiteY4" fmla="*/ 1376989 h 1376989"/>
+            </a:gdLst>
+            <a:ahLst/>
+            <a:cxnLst>
+              <a:cxn ang="0">
+                <a:pos x="connsiteX0" y="connsiteY0"/>
+              </a:cxn>
+              <a:cxn ang="0">
+                <a:pos x="connsiteX1" y="connsiteY1"/>
+              </a:cxn>
+              <a:cxn ang="0">
+                <a:pos x="connsiteX2" y="connsiteY2"/>
+              </a:cxn>
+              <a:cxn ang="0">
+                <a:pos x="connsiteX3" y="connsiteY3"/>
+              </a:cxn>
+              <a:cxn ang="0">
+                <a:pos x="connsiteX4" y="connsiteY4"/>
+              </a:cxn>
+            </a:cxnLst>
+            <a:rect l="l" t="t" r="r" b="b"/>
+            <a:pathLst>
+              <a:path w="1827638" h="1376989">
+                <a:moveTo>
+                  <a:pt x="0" y="987379"/>
+                </a:moveTo>
+                <a:lnTo>
+                  <a:pt x="987379" y="0"/>
+                </a:lnTo>
+                <a:lnTo>
+                  <a:pt x="1827638" y="840260"/>
+                </a:lnTo>
+                <a:lnTo>
+                  <a:pt x="1827638" y="1376989"/>
+                </a:lnTo>
+                <a:lnTo>
+                  <a:pt x="0" y="1376989"/>
+                </a:lnTo>
+                <a:close/>
+              </a:path>
+            </a:pathLst>
+          </a:custGeom>
+          <a:solidFill>
+            <a:schemeClr val="accent1">
+              <a:alpha val="30000"/>
+            </a:schemeClr>
+          </a:solidFill>
+          <a:ln>
+            <a:noFill/>
+          </a:ln>
+        </p:spPr>
+        <p:style>
+          <a:lnRef idx="2">
+            <a:schemeClr val="accent1">
+              <a:shade val="50000"/>
+            </a:schemeClr>
+          </a:lnRef>
+          <a:fillRef idx="1">
+            <a:schemeClr val="accent1"/>
+          </a:fillRef>
+          <a:effectRef idx="0">
+            <a:schemeClr val="accent1"/>
+          </a:effectRef>
+          <a:fontRef idx="minor">
+            <a:schemeClr val="lt1"/>
+          </a:fontRef>
+        </p:style>
+        <p:txBody>
+          <a:bodyPr rtlCol="0" anchor="ctr"/>
+          <a:lstStyle/>
+          <a:p>
+            <a:pPr algn="ctr"/>
+            <a:endParaRPr lang="en-US" dirty="0"/>
+          </a:p>
+        </p:txBody>
+      </p:sp>
+      <p:sp>
+        <p:nvSpPr>
+          <p:cNvPr id="26" name="Rectangle 17">
+            <a:extLst>
+              <a:ext uri="{FF2B5EF4-FFF2-40B4-BE49-F238E27FC236}">
+                <a16:creationId xmlns:a16="http://schemas.microsoft.com/office/drawing/2014/main" id="{DE00DB52-3455-4E2F-867B-A6D0516E175B}"/>
+              </a:ext>
+              <a:ext uri="{C183D7F6-B498-43B3-948B-1728B52AA6E4}">
+                <adec:decorative xmlns:adec="http://schemas.microsoft.com/office/drawing/2017/decorative" val="1"/>
+              </a:ext>
+            </a:extLst>
+          </p:cNvPr>
+          <p:cNvSpPr>
+            <a:spLocks noGrp="1" noRot="1" noChangeAspect="1" noMove="1" noResize="1" noEditPoints="1" noAdjustHandles="1" noChangeArrowheads="1" noChangeShapeType="1" noTextEdit="1"/>
+          </p:cNvSpPr>
+          <p:nvPr>
+            <p:extLst>
+              <p:ext uri="{386F3935-93C4-4BCD-93E2-E3B085C9AB24}">
+                <p16:designElem xmlns:p16="http://schemas.microsoft.com/office/powerpoint/2015/main" val="1"/>
+              </p:ext>
+            </p:extLst>
+          </p:nvPr>
+        </p:nvSpPr>
+        <p:spPr>
+          <a:xfrm rot="2700000">
+            <a:off x="10653800" y="422146"/>
+            <a:ext cx="645368" cy="645368"/>
+          </a:xfrm>
+          <a:prstGeom prst="rect">
+            <a:avLst/>
+          </a:prstGeom>
+          <a:solidFill>
+            <a:schemeClr val="accent1">
+              <a:alpha val="30000"/>
+            </a:schemeClr>
+          </a:solidFill>
+          <a:ln>
+            <a:noFill/>
+          </a:ln>
+        </p:spPr>
+        <p:style>
+          <a:lnRef idx="2">
+            <a:schemeClr val="accent1">
+              <a:shade val="50000"/>
+            </a:schemeClr>
+          </a:lnRef>
+          <a:fillRef idx="1">
+            <a:schemeClr val="accent1"/>
+          </a:fillRef>
+          <a:effectRef idx="0">
+            <a:schemeClr val="accent1"/>
+          </a:effectRef>
+          <a:fontRef idx="minor">
+            <a:schemeClr val="lt1"/>
+          </a:fontRef>
+        </p:style>
+        <p:txBody>
+          <a:bodyPr rtlCol="0" anchor="ctr"/>
+          <a:lstStyle/>
+          <a:p>
+            <a:pPr algn="ctr"/>
+            <a:endParaRPr lang="en-US"/>
+          </a:p>
+        </p:txBody>
+      </p:sp>
+      <p:sp>
+        <p:nvSpPr>
+          <p:cNvPr id="20" name="Isosceles Triangle 19">
+            <a:extLst>
+              <a:ext uri="{FF2B5EF4-FFF2-40B4-BE49-F238E27FC236}">
+                <a16:creationId xmlns:a16="http://schemas.microsoft.com/office/drawing/2014/main" id="{9E914C83-E0D8-4953-92D5-169D28CB43AE}"/>
+              </a:ext>
+              <a:ext uri="{C183D7F6-B498-43B3-948B-1728B52AA6E4}">
+                <adec:decorative xmlns:adec="http://schemas.microsoft.com/office/drawing/2017/decorative" val="1"/>
+              </a:ext>
+            </a:extLst>
+          </p:cNvPr>
+          <p:cNvSpPr>
+            <a:spLocks noGrp="1" noRot="1" noChangeAspect="1" noMove="1" noResize="1" noEditPoints="1" noAdjustHandles="1" noChangeArrowheads="1" noChangeShapeType="1" noTextEdit="1"/>
+          </p:cNvSpPr>
+          <p:nvPr>
+            <p:extLst>
+              <p:ext uri="{386F3935-93C4-4BCD-93E2-E3B085C9AB24}">
+                <p16:designElem xmlns:p16="http://schemas.microsoft.com/office/powerpoint/2015/main" val="1"/>
+              </p:ext>
+            </p:extLst>
+          </p:nvPr>
+        </p:nvSpPr>
+        <p:spPr>
+          <a:xfrm>
+            <a:off x="8115423" y="6115501"/>
+            <a:ext cx="1494513" cy="742499"/>
+          </a:xfrm>
+          <a:prstGeom prst="triangle">
+            <a:avLst/>
+          </a:prstGeom>
+          <a:solidFill>
+            <a:schemeClr val="accent1">
+              <a:alpha val="30000"/>
+            </a:schemeClr>
+          </a:solidFill>
+          <a:ln>
+            <a:noFill/>
+          </a:ln>
+        </p:spPr>
+        <p:style>
+          <a:lnRef idx="2">
+            <a:schemeClr val="accent1">
+              <a:shade val="50000"/>
+            </a:schemeClr>
+          </a:lnRef>
+          <a:fillRef idx="1">
+            <a:schemeClr val="accent1"/>
+          </a:fillRef>
+          <a:effectRef idx="0">
+            <a:schemeClr val="accent1"/>
+          </a:effectRef>
+          <a:fontRef idx="minor">
+            <a:schemeClr val="lt1"/>
+          </a:fontRef>
+        </p:style>
+        <p:txBody>
+          <a:bodyPr rtlCol="0" anchor="ctr"/>
+          <a:lstStyle/>
+          <a:p>
+            <a:pPr algn="ctr"/>
+            <a:endParaRPr lang="en-US"/>
+          </a:p>
+        </p:txBody>
+      </p:sp>
+      <p:pic>
+        <p:nvPicPr>
+          <p:cNvPr id="5" name="Hình ảnh 4" descr="Ảnh có chứa văn bản&#10;&#10;Mô tả được tạo tự động">
+            <a:extLst>
+              <a:ext uri="{FF2B5EF4-FFF2-40B4-BE49-F238E27FC236}">
+                <a16:creationId xmlns:a16="http://schemas.microsoft.com/office/drawing/2014/main" id="{07627382-29C5-4C20-B181-7AFE224F6B0A}"/>
+              </a:ext>
+            </a:extLst>
+          </p:cNvPr>
+          <p:cNvPicPr>
+            <a:picLocks noChangeAspect="1"/>
+          </p:cNvPicPr>
+          <p:nvPr/>
+        </p:nvPicPr>
+        <p:blipFill rotWithShape="1">
+          <a:blip r:embed="rId2"/>
+          <a:srcRect r="4086" b="1"/>
+          <a:stretch/>
+        </p:blipFill>
+        <p:spPr>
+          <a:xfrm>
+            <a:off x="643467" y="643467"/>
+            <a:ext cx="10905066" cy="5571065"/>
+          </a:xfrm>
+          <a:prstGeom prst="rect">
+            <a:avLst/>
+          </a:prstGeom>
+          <a:ln>
+            <a:noFill/>
+          </a:ln>
+        </p:spPr>
+      </p:pic>
+      <p:sp>
+        <p:nvSpPr>
+          <p:cNvPr id="22" name="Isosceles Triangle 21">
+            <a:extLst>
+              <a:ext uri="{FF2B5EF4-FFF2-40B4-BE49-F238E27FC236}">
+                <a16:creationId xmlns:a16="http://schemas.microsoft.com/office/drawing/2014/main" id="{3512E083-F550-46AF-8490-767ECFD00CB7}"/>
+              </a:ext>
+              <a:ext uri="{C183D7F6-B498-43B3-948B-1728B52AA6E4}">
+                <adec:decorative xmlns:adec="http://schemas.microsoft.com/office/drawing/2017/decorative" val="1"/>
+              </a:ext>
+            </a:extLst>
+          </p:cNvPr>
+          <p:cNvSpPr>
+            <a:spLocks noGrp="1" noRot="1" noChangeAspect="1" noMove="1" noResize="1" noEditPoints="1" noAdjustHandles="1" noChangeArrowheads="1" noChangeShapeType="1" noTextEdit="1"/>
+          </p:cNvSpPr>
+          <p:nvPr>
+            <p:extLst>
+              <p:ext uri="{386F3935-93C4-4BCD-93E2-E3B085C9AB24}">
+                <p16:designElem xmlns:p16="http://schemas.microsoft.com/office/powerpoint/2015/main" val="1"/>
+              </p:ext>
+            </p:extLst>
+          </p:nvPr>
+        </p:nvSpPr>
+        <p:spPr>
+          <a:xfrm>
+            <a:off x="9167297" y="6453143"/>
+            <a:ext cx="814903" cy="404857"/>
+          </a:xfrm>
+          <a:prstGeom prst="triangle">
+            <a:avLst/>
+          </a:prstGeom>
+          <a:solidFill>
+            <a:schemeClr val="accent1">
+              <a:alpha val="30000"/>
+            </a:schemeClr>
+          </a:solidFill>
+          <a:ln>
+            <a:noFill/>
+          </a:ln>
+        </p:spPr>
+        <p:style>
+          <a:lnRef idx="2">
+            <a:schemeClr val="accent1">
+              <a:shade val="50000"/>
+            </a:schemeClr>
+          </a:lnRef>
+          <a:fillRef idx="1">
+            <a:schemeClr val="accent1"/>
+          </a:fillRef>
+          <a:effectRef idx="0">
+            <a:schemeClr val="accent1"/>
+          </a:effectRef>
+          <a:fontRef idx="minor">
+            <a:schemeClr val="lt1"/>
+          </a:fontRef>
+        </p:style>
+        <p:txBody>
+          <a:bodyPr rtlCol="0" anchor="ctr"/>
+          <a:lstStyle/>
+          <a:p>
+            <a:pPr algn="ctr"/>
+            <a:endParaRPr lang="en-US"/>
+          </a:p>
+        </p:txBody>
+      </p:sp>
+    </p:spTree>
+    <p:extLst>
+      <p:ext uri="{BB962C8B-B14F-4D97-AF65-F5344CB8AC3E}">
+        <p14:creationId xmlns:p14="http://schemas.microsoft.com/office/powerpoint/2010/main" val="507318140"/>
+      </p:ext>
+    </p:extLst>
+  </p:cSld>
+  <p:clrMapOvr>
+    <a:masterClrMapping/>
+  </p:clrMapOvr>
+</p:sld>
+</file>
+
+<file path=ppt/slides/slide2.xml><?xml version="1.0" encoding="utf-8"?>
+<p:sld xmlns:a="http://schemas.openxmlformats.org/drawingml/2006/main" xmlns:r="http://schemas.openxmlformats.org/officeDocument/2006/relationships" xmlns:p="http://schemas.openxmlformats.org/presentationml/2006/main">
+  <p:cSld>
     <p:spTree>
       <p:nvGrpSpPr>
         <p:cNvPr id="1" name=""/>
@@ -5037,7 +5782,7 @@
 </p:sld>
 </file>
 
-<file path=ppt/slides/slide2.xml><?xml version="1.0" encoding="utf-8"?>
+<file path=ppt/slides/slide3.xml><?xml version="1.0" encoding="utf-8"?>
 <p:sld xmlns:a="http://schemas.openxmlformats.org/drawingml/2006/main" xmlns:r="http://schemas.openxmlformats.org/officeDocument/2006/relationships" xmlns:p="http://schemas.openxmlformats.org/presentationml/2006/main">
   <p:cSld>
     <p:spTree>
@@ -5097,7 +5842,7 @@
 </p:sld>
 </file>
 
-<file path=ppt/slides/slide3.xml><?xml version="1.0" encoding="utf-8"?>
+<file path=ppt/slides/slide4.xml><?xml version="1.0" encoding="utf-8"?>
 <p:sld xmlns:a="http://schemas.openxmlformats.org/drawingml/2006/main" xmlns:r="http://schemas.openxmlformats.org/officeDocument/2006/relationships" xmlns:p="http://schemas.openxmlformats.org/presentationml/2006/main">
   <p:cSld>
     <p:spTree>
@@ -5157,7 +5902,7 @@
 </p:sld>
 </file>
 
-<file path=ppt/slides/slide4.xml><?xml version="1.0" encoding="utf-8"?>
+<file path=ppt/slides/slide5.xml><?xml version="1.0" encoding="utf-8"?>
 <p:sld xmlns:a="http://schemas.openxmlformats.org/drawingml/2006/main" xmlns:r="http://schemas.openxmlformats.org/officeDocument/2006/relationships" xmlns:p="http://schemas.openxmlformats.org/presentationml/2006/main">
   <p:cSld>
     <p:spTree>
@@ -5845,7 +6590,7 @@
 </p:sld>
 </file>
 
-<file path=ppt/slides/slide5.xml><?xml version="1.0" encoding="utf-8"?>
+<file path=ppt/slides/slide6.xml><?xml version="1.0" encoding="utf-8"?>
 <p:sld xmlns:a="http://schemas.openxmlformats.org/drawingml/2006/main" xmlns:r="http://schemas.openxmlformats.org/officeDocument/2006/relationships" xmlns:p="http://schemas.openxmlformats.org/presentationml/2006/main">
   <p:cSld>
     <p:spTree>
@@ -5935,7 +6680,7 @@
 </p:sld>
 </file>
 
-<file path=ppt/slides/slide6.xml><?xml version="1.0" encoding="utf-8"?>
+<file path=ppt/slides/slide7.xml><?xml version="1.0" encoding="utf-8"?>
 <p:sld xmlns:a="http://schemas.openxmlformats.org/drawingml/2006/main" xmlns:r="http://schemas.openxmlformats.org/officeDocument/2006/relationships" xmlns:p="http://schemas.openxmlformats.org/presentationml/2006/main">
   <p:cSld>
     <p:spTree>
@@ -5995,7 +6740,7 @@
 </p:sld>
 </file>
 
-<file path=ppt/slides/slide7.xml><?xml version="1.0" encoding="utf-8"?>
+<file path=ppt/slides/slide8.xml><?xml version="1.0" encoding="utf-8"?>
 <p:sld xmlns:a="http://schemas.openxmlformats.org/drawingml/2006/main" xmlns:r="http://schemas.openxmlformats.org/officeDocument/2006/relationships" xmlns:p="http://schemas.openxmlformats.org/presentationml/2006/main">
   <p:cSld>
     <p:bg>
@@ -6755,8 +7500,8 @@
           </a:p>
         </p:txBody>
       </p:sp>
-      <mc:AlternateContent xmlns:mc="http://schemas.openxmlformats.org/markup-compatibility/2006">
-        <mc:Choice xmlns:p14="http://schemas.microsoft.com/office/powerpoint/2010/main" Requires="p14">
+      <mc:AlternateContent xmlns:mc="http://schemas.openxmlformats.org/markup-compatibility/2006" xmlns:p14="http://schemas.microsoft.com/office/powerpoint/2010/main">
+        <mc:Choice Requires="p14">
           <p:contentPart p14:bwMode="auto" r:id="rId9">
             <p14:nvContentPartPr>
               <p14:cNvPr id="60" name="Viết tay 59">
@@ -6775,7 +7520,7 @@
             </p14:xfrm>
           </p:contentPart>
         </mc:Choice>
-        <mc:Fallback>
+        <mc:Fallback xmlns="">
           <p:pic>
             <p:nvPicPr>
               <p:cNvPr id="60" name="Viết tay 59">
@@ -6806,8 +7551,8 @@
           </p:pic>
         </mc:Fallback>
       </mc:AlternateContent>
-      <mc:AlternateContent xmlns:mc="http://schemas.openxmlformats.org/markup-compatibility/2006">
-        <mc:Choice xmlns:p14="http://schemas.microsoft.com/office/powerpoint/2010/main" Requires="p14">
+      <mc:AlternateContent xmlns:mc="http://schemas.openxmlformats.org/markup-compatibility/2006" xmlns:p14="http://schemas.microsoft.com/office/powerpoint/2010/main">
+        <mc:Choice Requires="p14">
           <p:contentPart p14:bwMode="auto" r:id="rId11">
             <p14:nvContentPartPr>
               <p14:cNvPr id="61" name="Viết tay 60">
@@ -6826,7 +7571,7 @@
             </p14:xfrm>
           </p:contentPart>
         </mc:Choice>
-        <mc:Fallback>
+        <mc:Fallback xmlns="">
           <p:pic>
             <p:nvPicPr>
               <p:cNvPr id="61" name="Viết tay 60">
@@ -6857,8 +7602,8 @@
           </p:pic>
         </mc:Fallback>
       </mc:AlternateContent>
-      <mc:AlternateContent xmlns:mc="http://schemas.openxmlformats.org/markup-compatibility/2006">
-        <mc:Choice xmlns:p14="http://schemas.microsoft.com/office/powerpoint/2010/main" Requires="p14">
+      <mc:AlternateContent xmlns:mc="http://schemas.openxmlformats.org/markup-compatibility/2006" xmlns:p14="http://schemas.microsoft.com/office/powerpoint/2010/main">
+        <mc:Choice Requires="p14">
           <p:contentPart p14:bwMode="auto" r:id="rId13">
             <p14:nvContentPartPr>
               <p14:cNvPr id="62" name="Viết tay 61">
@@ -6877,7 +7622,7 @@
             </p14:xfrm>
           </p:contentPart>
         </mc:Choice>
-        <mc:Fallback>
+        <mc:Fallback xmlns="">
           <p:pic>
             <p:nvPicPr>
               <p:cNvPr id="62" name="Viết tay 61">
@@ -6908,8 +7653,8 @@
           </p:pic>
         </mc:Fallback>
       </mc:AlternateContent>
-      <mc:AlternateContent xmlns:mc="http://schemas.openxmlformats.org/markup-compatibility/2006">
-        <mc:Choice xmlns:p14="http://schemas.microsoft.com/office/powerpoint/2010/main" Requires="p14">
+      <mc:AlternateContent xmlns:mc="http://schemas.openxmlformats.org/markup-compatibility/2006" xmlns:p14="http://schemas.microsoft.com/office/powerpoint/2010/main">
+        <mc:Choice Requires="p14">
           <p:contentPart p14:bwMode="auto" r:id="rId15">
             <p14:nvContentPartPr>
               <p14:cNvPr id="63" name="Viết tay 62">
@@ -6928,7 +7673,7 @@
             </p14:xfrm>
           </p:contentPart>
         </mc:Choice>
-        <mc:Fallback>
+        <mc:Fallback xmlns="">
           <p:pic>
             <p:nvPicPr>
               <p:cNvPr id="63" name="Viết tay 62">
@@ -6959,8 +7704,8 @@
           </p:pic>
         </mc:Fallback>
       </mc:AlternateContent>
-      <mc:AlternateContent xmlns:mc="http://schemas.openxmlformats.org/markup-compatibility/2006">
-        <mc:Choice xmlns:p14="http://schemas.microsoft.com/office/powerpoint/2010/main" Requires="p14">
+      <mc:AlternateContent xmlns:mc="http://schemas.openxmlformats.org/markup-compatibility/2006" xmlns:p14="http://schemas.microsoft.com/office/powerpoint/2010/main">
+        <mc:Choice Requires="p14">
           <p:contentPart p14:bwMode="auto" r:id="rId17">
             <p14:nvContentPartPr>
               <p14:cNvPr id="65" name="Viết tay 64">
@@ -6979,7 +7724,7 @@
             </p14:xfrm>
           </p:contentPart>
         </mc:Choice>
-        <mc:Fallback>
+        <mc:Fallback xmlns="">
           <p:pic>
             <p:nvPicPr>
               <p:cNvPr id="65" name="Viết tay 64">
@@ -7010,8 +7755,8 @@
           </p:pic>
         </mc:Fallback>
       </mc:AlternateContent>
-      <mc:AlternateContent xmlns:mc="http://schemas.openxmlformats.org/markup-compatibility/2006">
-        <mc:Choice xmlns:p14="http://schemas.microsoft.com/office/powerpoint/2010/main" Requires="p14">
+      <mc:AlternateContent xmlns:mc="http://schemas.openxmlformats.org/markup-compatibility/2006" xmlns:p14="http://schemas.microsoft.com/office/powerpoint/2010/main">
+        <mc:Choice Requires="p14">
           <p:contentPart p14:bwMode="auto" r:id="rId19">
             <p14:nvContentPartPr>
               <p14:cNvPr id="66" name="Viết tay 65">
@@ -7030,7 +7775,7 @@
             </p14:xfrm>
           </p:contentPart>
         </mc:Choice>
-        <mc:Fallback>
+        <mc:Fallback xmlns="">
           <p:pic>
             <p:nvPicPr>
               <p:cNvPr id="66" name="Viết tay 65">
@@ -7081,8 +7826,8 @@
             <a:chExt cx="506880" cy="237960"/>
           </a:xfrm>
         </p:grpSpPr>
-        <mc:AlternateContent xmlns:mc="http://schemas.openxmlformats.org/markup-compatibility/2006">
-          <mc:Choice xmlns:p14="http://schemas.microsoft.com/office/powerpoint/2010/main" Requires="p14">
+        <mc:AlternateContent xmlns:mc="http://schemas.openxmlformats.org/markup-compatibility/2006" xmlns:p14="http://schemas.microsoft.com/office/powerpoint/2010/main">
+          <mc:Choice Requires="p14">
             <p:contentPart p14:bwMode="auto" r:id="rId21">
               <p14:nvContentPartPr>
                 <p14:cNvPr id="67" name="Viết tay 66">
@@ -7101,7 +7846,7 @@
               </p14:xfrm>
             </p:contentPart>
           </mc:Choice>
-          <mc:Fallback>
+          <mc:Fallback xmlns="">
             <p:pic>
               <p:nvPicPr>
                 <p:cNvPr id="67" name="Viết tay 66">
@@ -7132,8 +7877,8 @@
             </p:pic>
           </mc:Fallback>
         </mc:AlternateContent>
-        <mc:AlternateContent xmlns:mc="http://schemas.openxmlformats.org/markup-compatibility/2006">
-          <mc:Choice xmlns:p14="http://schemas.microsoft.com/office/powerpoint/2010/main" Requires="p14">
+        <mc:AlternateContent xmlns:mc="http://schemas.openxmlformats.org/markup-compatibility/2006" xmlns:p14="http://schemas.microsoft.com/office/powerpoint/2010/main">
+          <mc:Choice Requires="p14">
             <p:contentPart p14:bwMode="auto" r:id="rId23">
               <p14:nvContentPartPr>
                 <p14:cNvPr id="68" name="Viết tay 67">
@@ -7152,7 +7897,7 @@
               </p14:xfrm>
             </p:contentPart>
           </mc:Choice>
-          <mc:Fallback>
+          <mc:Fallback xmlns="">
             <p:pic>
               <p:nvPicPr>
                 <p:cNvPr id="68" name="Viết tay 67">
@@ -7183,8 +7928,8 @@
             </p:pic>
           </mc:Fallback>
         </mc:AlternateContent>
-        <mc:AlternateContent xmlns:mc="http://schemas.openxmlformats.org/markup-compatibility/2006">
-          <mc:Choice xmlns:p14="http://schemas.microsoft.com/office/powerpoint/2010/main" Requires="p14">
+        <mc:AlternateContent xmlns:mc="http://schemas.openxmlformats.org/markup-compatibility/2006" xmlns:p14="http://schemas.microsoft.com/office/powerpoint/2010/main">
+          <mc:Choice Requires="p14">
             <p:contentPart p14:bwMode="auto" r:id="rId25">
               <p14:nvContentPartPr>
                 <p14:cNvPr id="70" name="Viết tay 69">
@@ -7203,7 +7948,7 @@
               </p14:xfrm>
             </p:contentPart>
           </mc:Choice>
-          <mc:Fallback>
+          <mc:Fallback xmlns="">
             <p:pic>
               <p:nvPicPr>
                 <p:cNvPr id="70" name="Viết tay 69">
@@ -7234,8 +7979,8 @@
             </p:pic>
           </mc:Fallback>
         </mc:AlternateContent>
-        <mc:AlternateContent xmlns:mc="http://schemas.openxmlformats.org/markup-compatibility/2006">
-          <mc:Choice xmlns:p14="http://schemas.microsoft.com/office/powerpoint/2010/main" Requires="p14">
+        <mc:AlternateContent xmlns:mc="http://schemas.openxmlformats.org/markup-compatibility/2006" xmlns:p14="http://schemas.microsoft.com/office/powerpoint/2010/main">
+          <mc:Choice Requires="p14">
             <p:contentPart p14:bwMode="auto" r:id="rId27">
               <p14:nvContentPartPr>
                 <p14:cNvPr id="71" name="Viết tay 70">
@@ -7254,7 +7999,7 @@
               </p14:xfrm>
             </p:contentPart>
           </mc:Choice>
-          <mc:Fallback>
+          <mc:Fallback xmlns="">
             <p:pic>
               <p:nvPicPr>
                 <p:cNvPr id="71" name="Viết tay 70">
@@ -7285,8 +8030,8 @@
             </p:pic>
           </mc:Fallback>
         </mc:AlternateContent>
-        <mc:AlternateContent xmlns:mc="http://schemas.openxmlformats.org/markup-compatibility/2006">
-          <mc:Choice xmlns:p14="http://schemas.microsoft.com/office/powerpoint/2010/main" Requires="p14">
+        <mc:AlternateContent xmlns:mc="http://schemas.openxmlformats.org/markup-compatibility/2006" xmlns:p14="http://schemas.microsoft.com/office/powerpoint/2010/main">
+          <mc:Choice Requires="p14">
             <p:contentPart p14:bwMode="auto" r:id="rId29">
               <p14:nvContentPartPr>
                 <p14:cNvPr id="73" name="Viết tay 72">
@@ -7305,7 +8050,7 @@
               </p14:xfrm>
             </p:contentPart>
           </mc:Choice>
-          <mc:Fallback>
+          <mc:Fallback xmlns="">
             <p:pic>
               <p:nvPicPr>
                 <p:cNvPr id="73" name="Viết tay 72">
@@ -7357,8 +8102,8 @@
             <a:chExt cx="297000" cy="588960"/>
           </a:xfrm>
         </p:grpSpPr>
-        <mc:AlternateContent xmlns:mc="http://schemas.openxmlformats.org/markup-compatibility/2006">
-          <mc:Choice xmlns:p14="http://schemas.microsoft.com/office/powerpoint/2010/main" Requires="p14">
+        <mc:AlternateContent xmlns:mc="http://schemas.openxmlformats.org/markup-compatibility/2006" xmlns:p14="http://schemas.microsoft.com/office/powerpoint/2010/main">
+          <mc:Choice Requires="p14">
             <p:contentPart p14:bwMode="auto" r:id="rId31">
               <p14:nvContentPartPr>
                 <p14:cNvPr id="81" name="Viết tay 80">
@@ -7377,7 +8122,7 @@
               </p14:xfrm>
             </p:contentPart>
           </mc:Choice>
-          <mc:Fallback>
+          <mc:Fallback xmlns="">
             <p:pic>
               <p:nvPicPr>
                 <p:cNvPr id="81" name="Viết tay 80">
@@ -7408,8 +8153,8 @@
             </p:pic>
           </mc:Fallback>
         </mc:AlternateContent>
-        <mc:AlternateContent xmlns:mc="http://schemas.openxmlformats.org/markup-compatibility/2006">
-          <mc:Choice xmlns:p14="http://schemas.microsoft.com/office/powerpoint/2010/main" Requires="p14">
+        <mc:AlternateContent xmlns:mc="http://schemas.openxmlformats.org/markup-compatibility/2006" xmlns:p14="http://schemas.microsoft.com/office/powerpoint/2010/main">
+          <mc:Choice Requires="p14">
             <p:contentPart p14:bwMode="auto" r:id="rId33">
               <p14:nvContentPartPr>
                 <p14:cNvPr id="82" name="Viết tay 81">
@@ -7428,7 +8173,7 @@
               </p14:xfrm>
             </p:contentPart>
           </mc:Choice>
-          <mc:Fallback>
+          <mc:Fallback xmlns="">
             <p:pic>
               <p:nvPicPr>
                 <p:cNvPr id="82" name="Viết tay 81">
@@ -7459,8 +8204,8 @@
             </p:pic>
           </mc:Fallback>
         </mc:AlternateContent>
-        <mc:AlternateContent xmlns:mc="http://schemas.openxmlformats.org/markup-compatibility/2006">
-          <mc:Choice xmlns:p14="http://schemas.microsoft.com/office/powerpoint/2010/main" Requires="p14">
+        <mc:AlternateContent xmlns:mc="http://schemas.openxmlformats.org/markup-compatibility/2006" xmlns:p14="http://schemas.microsoft.com/office/powerpoint/2010/main">
+          <mc:Choice Requires="p14">
             <p:contentPart p14:bwMode="auto" r:id="rId35">
               <p14:nvContentPartPr>
                 <p14:cNvPr id="83" name="Viết tay 82">
@@ -7479,7 +8224,7 @@
               </p14:xfrm>
             </p:contentPart>
           </mc:Choice>
-          <mc:Fallback>
+          <mc:Fallback xmlns="">
             <p:pic>
               <p:nvPicPr>
                 <p:cNvPr id="83" name="Viết tay 82">
@@ -7511,8 +8256,8 @@
           </mc:Fallback>
         </mc:AlternateContent>
       </p:grpSp>
-      <mc:AlternateContent xmlns:mc="http://schemas.openxmlformats.org/markup-compatibility/2006">
-        <mc:Choice xmlns:p14="http://schemas.microsoft.com/office/powerpoint/2010/main" Requires="p14">
+      <mc:AlternateContent xmlns:mc="http://schemas.openxmlformats.org/markup-compatibility/2006" xmlns:p14="http://schemas.microsoft.com/office/powerpoint/2010/main">
+        <mc:Choice Requires="p14">
           <p:contentPart p14:bwMode="auto" r:id="rId37">
             <p14:nvContentPartPr>
               <p14:cNvPr id="85" name="Viết tay 84">
@@ -7531,7 +8276,7 @@
             </p14:xfrm>
           </p:contentPart>
         </mc:Choice>
-        <mc:Fallback>
+        <mc:Fallback xmlns="">
           <p:pic>
             <p:nvPicPr>
               <p:cNvPr id="85" name="Viết tay 84">
@@ -7582,8 +8327,8 @@
             <a:chExt cx="7773840" cy="2506680"/>
           </a:xfrm>
         </p:grpSpPr>
-        <mc:AlternateContent xmlns:mc="http://schemas.openxmlformats.org/markup-compatibility/2006">
-          <mc:Choice xmlns:p14="http://schemas.microsoft.com/office/powerpoint/2010/main" Requires="p14">
+        <mc:AlternateContent xmlns:mc="http://schemas.openxmlformats.org/markup-compatibility/2006" xmlns:p14="http://schemas.microsoft.com/office/powerpoint/2010/main">
+          <mc:Choice Requires="p14">
             <p:contentPart p14:bwMode="auto" r:id="rId39">
               <p14:nvContentPartPr>
                 <p14:cNvPr id="75" name="Viết tay 74">
@@ -7602,7 +8347,7 @@
               </p14:xfrm>
             </p:contentPart>
           </mc:Choice>
-          <mc:Fallback>
+          <mc:Fallback xmlns="">
             <p:pic>
               <p:nvPicPr>
                 <p:cNvPr id="75" name="Viết tay 74">
@@ -7633,8 +8378,8 @@
             </p:pic>
           </mc:Fallback>
         </mc:AlternateContent>
-        <mc:AlternateContent xmlns:mc="http://schemas.openxmlformats.org/markup-compatibility/2006">
-          <mc:Choice xmlns:p14="http://schemas.microsoft.com/office/powerpoint/2010/main" Requires="p14">
+        <mc:AlternateContent xmlns:mc="http://schemas.openxmlformats.org/markup-compatibility/2006" xmlns:p14="http://schemas.microsoft.com/office/powerpoint/2010/main">
+          <mc:Choice Requires="p14">
             <p:contentPart p14:bwMode="auto" r:id="rId41">
               <p14:nvContentPartPr>
                 <p14:cNvPr id="76" name="Viết tay 75">
@@ -7653,7 +8398,7 @@
               </p14:xfrm>
             </p:contentPart>
           </mc:Choice>
-          <mc:Fallback>
+          <mc:Fallback xmlns="">
             <p:pic>
               <p:nvPicPr>
                 <p:cNvPr id="76" name="Viết tay 75">
@@ -7684,8 +8429,8 @@
             </p:pic>
           </mc:Fallback>
         </mc:AlternateContent>
-        <mc:AlternateContent xmlns:mc="http://schemas.openxmlformats.org/markup-compatibility/2006">
-          <mc:Choice xmlns:p14="http://schemas.microsoft.com/office/powerpoint/2010/main" Requires="p14">
+        <mc:AlternateContent xmlns:mc="http://schemas.openxmlformats.org/markup-compatibility/2006" xmlns:p14="http://schemas.microsoft.com/office/powerpoint/2010/main">
+          <mc:Choice Requires="p14">
             <p:contentPart p14:bwMode="auto" r:id="rId43">
               <p14:nvContentPartPr>
                 <p14:cNvPr id="78" name="Viết tay 77">
@@ -7704,7 +8449,7 @@
               </p14:xfrm>
             </p:contentPart>
           </mc:Choice>
-          <mc:Fallback>
+          <mc:Fallback xmlns="">
             <p:pic>
               <p:nvPicPr>
                 <p:cNvPr id="78" name="Viết tay 77">
@@ -7735,8 +8480,8 @@
             </p:pic>
           </mc:Fallback>
         </mc:AlternateContent>
-        <mc:AlternateContent xmlns:mc="http://schemas.openxmlformats.org/markup-compatibility/2006">
-          <mc:Choice xmlns:p14="http://schemas.microsoft.com/office/powerpoint/2010/main" Requires="p14">
+        <mc:AlternateContent xmlns:mc="http://schemas.openxmlformats.org/markup-compatibility/2006" xmlns:p14="http://schemas.microsoft.com/office/powerpoint/2010/main">
+          <mc:Choice Requires="p14">
             <p:contentPart p14:bwMode="auto" r:id="rId45">
               <p14:nvContentPartPr>
                 <p14:cNvPr id="79" name="Viết tay 78">
@@ -7755,7 +8500,7 @@
               </p14:xfrm>
             </p:contentPart>
           </mc:Choice>
-          <mc:Fallback>
+          <mc:Fallback xmlns="">
             <p:pic>
               <p:nvPicPr>
                 <p:cNvPr id="79" name="Viết tay 78">
@@ -7786,8 +8531,8 @@
             </p:pic>
           </mc:Fallback>
         </mc:AlternateContent>
-        <mc:AlternateContent xmlns:mc="http://schemas.openxmlformats.org/markup-compatibility/2006">
-          <mc:Choice xmlns:p14="http://schemas.microsoft.com/office/powerpoint/2010/main" Requires="p14">
+        <mc:AlternateContent xmlns:mc="http://schemas.openxmlformats.org/markup-compatibility/2006" xmlns:p14="http://schemas.microsoft.com/office/powerpoint/2010/main">
+          <mc:Choice Requires="p14">
             <p:contentPart p14:bwMode="auto" r:id="rId47">
               <p14:nvContentPartPr>
                 <p14:cNvPr id="86" name="Viết tay 85">
@@ -7806,7 +8551,7 @@
               </p14:xfrm>
             </p:contentPart>
           </mc:Choice>
-          <mc:Fallback>
+          <mc:Fallback xmlns="">
             <p:pic>
               <p:nvPicPr>
                 <p:cNvPr id="86" name="Viết tay 85">
@@ -7837,8 +8582,8 @@
             </p:pic>
           </mc:Fallback>
         </mc:AlternateContent>
-        <mc:AlternateContent xmlns:mc="http://schemas.openxmlformats.org/markup-compatibility/2006">
-          <mc:Choice xmlns:p14="http://schemas.microsoft.com/office/powerpoint/2010/main" Requires="p14">
+        <mc:AlternateContent xmlns:mc="http://schemas.openxmlformats.org/markup-compatibility/2006" xmlns:p14="http://schemas.microsoft.com/office/powerpoint/2010/main">
+          <mc:Choice Requires="p14">
             <p:contentPart p14:bwMode="auto" r:id="rId49">
               <p14:nvContentPartPr>
                 <p14:cNvPr id="87" name="Viết tay 86">
@@ -7857,7 +8602,7 @@
               </p14:xfrm>
             </p:contentPart>
           </mc:Choice>
-          <mc:Fallback>
+          <mc:Fallback xmlns="">
             <p:pic>
               <p:nvPicPr>
                 <p:cNvPr id="87" name="Viết tay 86">
@@ -7888,8 +8633,8 @@
             </p:pic>
           </mc:Fallback>
         </mc:AlternateContent>
-        <mc:AlternateContent xmlns:mc="http://schemas.openxmlformats.org/markup-compatibility/2006">
-          <mc:Choice xmlns:p14="http://schemas.microsoft.com/office/powerpoint/2010/main" Requires="p14">
+        <mc:AlternateContent xmlns:mc="http://schemas.openxmlformats.org/markup-compatibility/2006" xmlns:p14="http://schemas.microsoft.com/office/powerpoint/2010/main">
+          <mc:Choice Requires="p14">
             <p:contentPart p14:bwMode="auto" r:id="rId51">
               <p14:nvContentPartPr>
                 <p14:cNvPr id="88" name="Viết tay 87">
@@ -7908,7 +8653,7 @@
               </p14:xfrm>
             </p:contentPart>
           </mc:Choice>
-          <mc:Fallback>
+          <mc:Fallback xmlns="">
             <p:pic>
               <p:nvPicPr>
                 <p:cNvPr id="88" name="Viết tay 87">
@@ -7939,8 +8684,8 @@
             </p:pic>
           </mc:Fallback>
         </mc:AlternateContent>
-        <mc:AlternateContent xmlns:mc="http://schemas.openxmlformats.org/markup-compatibility/2006">
-          <mc:Choice xmlns:p14="http://schemas.microsoft.com/office/powerpoint/2010/main" Requires="p14">
+        <mc:AlternateContent xmlns:mc="http://schemas.openxmlformats.org/markup-compatibility/2006" xmlns:p14="http://schemas.microsoft.com/office/powerpoint/2010/main">
+          <mc:Choice Requires="p14">
             <p:contentPart p14:bwMode="auto" r:id="rId53">
               <p14:nvContentPartPr>
                 <p14:cNvPr id="89" name="Viết tay 88">
@@ -7959,7 +8704,7 @@
               </p14:xfrm>
             </p:contentPart>
           </mc:Choice>
-          <mc:Fallback>
+          <mc:Fallback xmlns="">
             <p:pic>
               <p:nvPicPr>
                 <p:cNvPr id="89" name="Viết tay 88">
@@ -7990,8 +8735,8 @@
             </p:pic>
           </mc:Fallback>
         </mc:AlternateContent>
-        <mc:AlternateContent xmlns:mc="http://schemas.openxmlformats.org/markup-compatibility/2006">
-          <mc:Choice xmlns:p14="http://schemas.microsoft.com/office/powerpoint/2010/main" Requires="p14">
+        <mc:AlternateContent xmlns:mc="http://schemas.openxmlformats.org/markup-compatibility/2006" xmlns:p14="http://schemas.microsoft.com/office/powerpoint/2010/main">
+          <mc:Choice Requires="p14">
             <p:contentPart p14:bwMode="auto" r:id="rId55">
               <p14:nvContentPartPr>
                 <p14:cNvPr id="91" name="Viết tay 90">
@@ -8010,7 +8755,7 @@
               </p14:xfrm>
             </p:contentPart>
           </mc:Choice>
-          <mc:Fallback>
+          <mc:Fallback xmlns="">
             <p:pic>
               <p:nvPicPr>
                 <p:cNvPr id="91" name="Viết tay 90">
@@ -8041,8 +8786,8 @@
             </p:pic>
           </mc:Fallback>
         </mc:AlternateContent>
-        <mc:AlternateContent xmlns:mc="http://schemas.openxmlformats.org/markup-compatibility/2006">
-          <mc:Choice xmlns:p14="http://schemas.microsoft.com/office/powerpoint/2010/main" Requires="p14">
+        <mc:AlternateContent xmlns:mc="http://schemas.openxmlformats.org/markup-compatibility/2006" xmlns:p14="http://schemas.microsoft.com/office/powerpoint/2010/main">
+          <mc:Choice Requires="p14">
             <p:contentPart p14:bwMode="auto" r:id="rId57">
               <p14:nvContentPartPr>
                 <p14:cNvPr id="92" name="Viết tay 91">
@@ -8061,7 +8806,7 @@
               </p14:xfrm>
             </p:contentPart>
           </mc:Choice>
-          <mc:Fallback>
+          <mc:Fallback xmlns="">
             <p:pic>
               <p:nvPicPr>
                 <p:cNvPr id="92" name="Viết tay 91">
@@ -8106,7 +8851,7 @@
 </p:sld>
 </file>
 
-<file path=ppt/slides/slide8.xml><?xml version="1.0" encoding="utf-8"?>
+<file path=ppt/slides/slide9.xml><?xml version="1.0" encoding="utf-8"?>
 <p:sld xmlns:a="http://schemas.openxmlformats.org/drawingml/2006/main" xmlns:r="http://schemas.openxmlformats.org/officeDocument/2006/relationships" xmlns:p="http://schemas.openxmlformats.org/presentationml/2006/main">
   <p:cSld>
     <p:spTree>
